--- a/PPT/캡스톤디자인_7주차_발표자료_5조.pptx
+++ b/PPT/캡스톤디자인_7주차_발표자료_5조.pptx
@@ -4961,6 +4961,36 @@
           </a:ln>
         </p:spPr>
       </p:pic>
+      <p:pic>
+        <p:nvPicPr>
+          <p:cNvPr id="5" name="그림 4">
+            <a:extLst>
+              <a:ext uri="{FF2B5EF4-FFF2-40B4-BE49-F238E27FC236}">
+                <a16:creationId xmlns:a16="http://schemas.microsoft.com/office/drawing/2014/main" id="{2797BFDC-B4C3-48A8-AAA4-C23EE8ABDC06}"/>
+              </a:ext>
+            </a:extLst>
+          </p:cNvPr>
+          <p:cNvPicPr>
+            <a:picLocks noChangeAspect="1"/>
+          </p:cNvPicPr>
+          <p:nvPr/>
+        </p:nvPicPr>
+        <p:blipFill>
+          <a:blip r:embed="rId7"/>
+          <a:stretch>
+            <a:fillRect/>
+          </a:stretch>
+        </p:blipFill>
+        <p:spPr>
+          <a:xfrm>
+            <a:off x="3747081" y="1827880"/>
+            <a:ext cx="2039159" cy="4191606"/>
+          </a:xfrm>
+          <a:prstGeom prst="rect">
+            <a:avLst/>
+          </a:prstGeom>
+        </p:spPr>
+      </p:pic>
     </p:spTree>
     <p:extLst>
       <p:ext uri="{BB962C8B-B14F-4D97-AF65-F5344CB8AC3E}">
@@ -5784,6 +5814,36 @@
           </a:p>
         </p:txBody>
       </p:sp>
+      <p:pic>
+        <p:nvPicPr>
+          <p:cNvPr id="2" name="그림 1">
+            <a:extLst>
+              <a:ext uri="{FF2B5EF4-FFF2-40B4-BE49-F238E27FC236}">
+                <a16:creationId xmlns:a16="http://schemas.microsoft.com/office/drawing/2014/main" id="{2A691879-ADAC-4655-9654-309BB3461DD8}"/>
+              </a:ext>
+            </a:extLst>
+          </p:cNvPr>
+          <p:cNvPicPr>
+            <a:picLocks noChangeAspect="1"/>
+          </p:cNvPicPr>
+          <p:nvPr/>
+        </p:nvPicPr>
+        <p:blipFill>
+          <a:blip r:embed="rId5"/>
+          <a:stretch>
+            <a:fillRect/>
+          </a:stretch>
+        </p:blipFill>
+        <p:spPr>
+          <a:xfrm>
+            <a:off x="1737518" y="1919529"/>
+            <a:ext cx="2039162" cy="4191610"/>
+          </a:xfrm>
+          <a:prstGeom prst="rect">
+            <a:avLst/>
+          </a:prstGeom>
+        </p:spPr>
+      </p:pic>
     </p:spTree>
     <p:extLst>
       <p:ext uri="{BB962C8B-B14F-4D97-AF65-F5344CB8AC3E}">

--- a/PPT/캡스톤디자인_7주차_발표자료_5조.pptx
+++ b/PPT/캡스톤디자인_7주차_발표자료_5조.pptx
@@ -452,7 +452,7 @@
           <a:p>
             <a:fld id="{DD129790-0DC6-47CC-9942-83498BADFBAF}" type="datetimeFigureOut">
               <a:rPr lang="ko-KR" altLang="en-US" smtClean="0"/>
-              <a:t>2018-10-15</a:t>
+              <a:t>2018-10-16</a:t>
             </a:fld>
             <a:endParaRPr lang="ko-KR" altLang="en-US"/>
           </a:p>
@@ -650,7 +650,7 @@
           <a:p>
             <a:fld id="{DD129790-0DC6-47CC-9942-83498BADFBAF}" type="datetimeFigureOut">
               <a:rPr lang="ko-KR" altLang="en-US" smtClean="0"/>
-              <a:t>2018-10-15</a:t>
+              <a:t>2018-10-16</a:t>
             </a:fld>
             <a:endParaRPr lang="ko-KR" altLang="en-US"/>
           </a:p>
@@ -858,7 +858,7 @@
           <a:p>
             <a:fld id="{DD129790-0DC6-47CC-9942-83498BADFBAF}" type="datetimeFigureOut">
               <a:rPr lang="ko-KR" altLang="en-US" smtClean="0"/>
-              <a:t>2018-10-15</a:t>
+              <a:t>2018-10-16</a:t>
             </a:fld>
             <a:endParaRPr lang="ko-KR" altLang="en-US"/>
           </a:p>
@@ -1056,7 +1056,7 @@
           <a:p>
             <a:fld id="{DD129790-0DC6-47CC-9942-83498BADFBAF}" type="datetimeFigureOut">
               <a:rPr lang="ko-KR" altLang="en-US" smtClean="0"/>
-              <a:t>2018-10-15</a:t>
+              <a:t>2018-10-16</a:t>
             </a:fld>
             <a:endParaRPr lang="ko-KR" altLang="en-US"/>
           </a:p>
@@ -1331,7 +1331,7 @@
           <a:p>
             <a:fld id="{DD129790-0DC6-47CC-9942-83498BADFBAF}" type="datetimeFigureOut">
               <a:rPr lang="ko-KR" altLang="en-US" smtClean="0"/>
-              <a:t>2018-10-15</a:t>
+              <a:t>2018-10-16</a:t>
             </a:fld>
             <a:endParaRPr lang="ko-KR" altLang="en-US"/>
           </a:p>
@@ -1596,7 +1596,7 @@
           <a:p>
             <a:fld id="{DD129790-0DC6-47CC-9942-83498BADFBAF}" type="datetimeFigureOut">
               <a:rPr lang="ko-KR" altLang="en-US" smtClean="0"/>
-              <a:t>2018-10-15</a:t>
+              <a:t>2018-10-16</a:t>
             </a:fld>
             <a:endParaRPr lang="ko-KR" altLang="en-US"/>
           </a:p>
@@ -2008,7 +2008,7 @@
           <a:p>
             <a:fld id="{DD129790-0DC6-47CC-9942-83498BADFBAF}" type="datetimeFigureOut">
               <a:rPr lang="ko-KR" altLang="en-US" smtClean="0"/>
-              <a:t>2018-10-15</a:t>
+              <a:t>2018-10-16</a:t>
             </a:fld>
             <a:endParaRPr lang="ko-KR" altLang="en-US"/>
           </a:p>
@@ -2149,7 +2149,7 @@
           <a:p>
             <a:fld id="{DD129790-0DC6-47CC-9942-83498BADFBAF}" type="datetimeFigureOut">
               <a:rPr lang="ko-KR" altLang="en-US" smtClean="0"/>
-              <a:t>2018-10-15</a:t>
+              <a:t>2018-10-16</a:t>
             </a:fld>
             <a:endParaRPr lang="ko-KR" altLang="en-US"/>
           </a:p>
@@ -2262,7 +2262,7 @@
           <a:p>
             <a:fld id="{DD129790-0DC6-47CC-9942-83498BADFBAF}" type="datetimeFigureOut">
               <a:rPr lang="ko-KR" altLang="en-US" smtClean="0"/>
-              <a:t>2018-10-15</a:t>
+              <a:t>2018-10-16</a:t>
             </a:fld>
             <a:endParaRPr lang="ko-KR" altLang="en-US"/>
           </a:p>
@@ -2573,7 +2573,7 @@
           <a:p>
             <a:fld id="{DD129790-0DC6-47CC-9942-83498BADFBAF}" type="datetimeFigureOut">
               <a:rPr lang="ko-KR" altLang="en-US" smtClean="0"/>
-              <a:t>2018-10-15</a:t>
+              <a:t>2018-10-16</a:t>
             </a:fld>
             <a:endParaRPr lang="ko-KR" altLang="en-US"/>
           </a:p>
@@ -2861,7 +2861,7 @@
           <a:p>
             <a:fld id="{DD129790-0DC6-47CC-9942-83498BADFBAF}" type="datetimeFigureOut">
               <a:rPr lang="ko-KR" altLang="en-US" smtClean="0"/>
-              <a:t>2018-10-15</a:t>
+              <a:t>2018-10-16</a:t>
             </a:fld>
             <a:endParaRPr lang="ko-KR" altLang="en-US"/>
           </a:p>
@@ -3102,7 +3102,7 @@
           <a:p>
             <a:fld id="{DD129790-0DC6-47CC-9942-83498BADFBAF}" type="datetimeFigureOut">
               <a:rPr lang="ko-KR" altLang="en-US" smtClean="0"/>
-              <a:t>2018-10-15</a:t>
+              <a:t>2018-10-16</a:t>
             </a:fld>
             <a:endParaRPr lang="ko-KR" altLang="en-US"/>
           </a:p>
@@ -4704,6 +4704,44 @@
           </a:prstGeom>
         </p:spPr>
       </p:pic>
+      <p:pic>
+        <p:nvPicPr>
+          <p:cNvPr id="5" name="그림 4">
+            <a:extLst>
+              <a:ext uri="{FF2B5EF4-FFF2-40B4-BE49-F238E27FC236}">
+                <a16:creationId xmlns:a16="http://schemas.microsoft.com/office/drawing/2014/main" id="{2797BFDC-B4C3-48A8-AAA4-C23EE8ABDC06}"/>
+              </a:ext>
+            </a:extLst>
+          </p:cNvPr>
+          <p:cNvPicPr>
+            <a:picLocks noChangeAspect="1"/>
+          </p:cNvPicPr>
+          <p:nvPr/>
+        </p:nvPicPr>
+        <p:blipFill>
+          <a:blip r:embed="rId3"/>
+          <a:stretch>
+            <a:fillRect/>
+          </a:stretch>
+        </p:blipFill>
+        <p:spPr>
+          <a:xfrm>
+            <a:off x="3747081" y="1827880"/>
+            <a:ext cx="2039159" cy="4191606"/>
+          </a:xfrm>
+          <a:prstGeom prst="rect">
+            <a:avLst/>
+          </a:prstGeom>
+          <a:ln w="12700">
+            <a:solidFill>
+              <a:schemeClr val="tx1">
+                <a:lumMod val="65000"/>
+                <a:lumOff val="35000"/>
+              </a:schemeClr>
+            </a:solidFill>
+          </a:ln>
+        </p:spPr>
+      </p:pic>
       <p:sp>
         <p:nvSpPr>
           <p:cNvPr id="6" name="TextBox 5">
@@ -4812,7 +4850,7 @@
           <p:nvPr/>
         </p:nvPicPr>
         <p:blipFill>
-          <a:blip r:embed="rId3">
+          <a:blip r:embed="rId4">
             <a:extLst>
               <a:ext uri="{28A0092B-C50C-407E-A947-70E740481C1C}">
                 <a14:useLocalDpi xmlns:a14="http://schemas.microsoft.com/office/drawing/2010/main" val="0"/>
@@ -4856,7 +4894,7 @@
           <p:nvPr/>
         </p:nvPicPr>
         <p:blipFill>
-          <a:blip r:embed="rId4">
+          <a:blip r:embed="rId5">
             <a:extLst>
               <a:ext uri="{28A0092B-C50C-407E-A947-70E740481C1C}">
                 <a14:useLocalDpi xmlns:a14="http://schemas.microsoft.com/office/drawing/2010/main" val="0"/>
@@ -4900,7 +4938,7 @@
           <p:nvPr/>
         </p:nvPicPr>
         <p:blipFill>
-          <a:blip r:embed="rId5"/>
+          <a:blip r:embed="rId6"/>
           <a:stretch>
             <a:fillRect/>
           </a:stretch>
@@ -4921,74 +4959,6 @@
               </a:schemeClr>
             </a:solidFill>
           </a:ln>
-        </p:spPr>
-      </p:pic>
-      <p:pic>
-        <p:nvPicPr>
-          <p:cNvPr id="3" name="그림 2">
-            <a:extLst>
-              <a:ext uri="{FF2B5EF4-FFF2-40B4-BE49-F238E27FC236}">
-                <a16:creationId xmlns:a16="http://schemas.microsoft.com/office/drawing/2014/main" id="{594619F4-B8DF-4E14-AAD0-52ACEDF7648E}"/>
-              </a:ext>
-            </a:extLst>
-          </p:cNvPr>
-          <p:cNvPicPr>
-            <a:picLocks noChangeAspect="1"/>
-          </p:cNvPicPr>
-          <p:nvPr/>
-        </p:nvPicPr>
-        <p:blipFill>
-          <a:blip r:embed="rId6"/>
-          <a:stretch>
-            <a:fillRect/>
-          </a:stretch>
-        </p:blipFill>
-        <p:spPr>
-          <a:xfrm>
-            <a:off x="3747217" y="1827874"/>
-            <a:ext cx="2039162" cy="4191612"/>
-          </a:xfrm>
-          <a:prstGeom prst="rect">
-            <a:avLst/>
-          </a:prstGeom>
-          <a:ln w="12700">
-            <a:solidFill>
-              <a:schemeClr val="tx1">
-                <a:lumMod val="65000"/>
-                <a:lumOff val="35000"/>
-              </a:schemeClr>
-            </a:solidFill>
-          </a:ln>
-        </p:spPr>
-      </p:pic>
-      <p:pic>
-        <p:nvPicPr>
-          <p:cNvPr id="5" name="그림 4">
-            <a:extLst>
-              <a:ext uri="{FF2B5EF4-FFF2-40B4-BE49-F238E27FC236}">
-                <a16:creationId xmlns:a16="http://schemas.microsoft.com/office/drawing/2014/main" id="{2797BFDC-B4C3-48A8-AAA4-C23EE8ABDC06}"/>
-              </a:ext>
-            </a:extLst>
-          </p:cNvPr>
-          <p:cNvPicPr>
-            <a:picLocks noChangeAspect="1"/>
-          </p:cNvPicPr>
-          <p:nvPr/>
-        </p:nvPicPr>
-        <p:blipFill>
-          <a:blip r:embed="rId7"/>
-          <a:stretch>
-            <a:fillRect/>
-          </a:stretch>
-        </p:blipFill>
-        <p:spPr>
-          <a:xfrm>
-            <a:off x="3747081" y="1827880"/>
-            <a:ext cx="2039159" cy="4191606"/>
-          </a:xfrm>
-          <a:prstGeom prst="rect">
-            <a:avLst/>
-          </a:prstGeom>
         </p:spPr>
       </p:pic>
     </p:spTree>
@@ -5446,10 +5416,10 @@
       </p:pic>
       <p:pic>
         <p:nvPicPr>
-          <p:cNvPr id="10" name="그림 9">
-            <a:extLst>
-              <a:ext uri="{FF2B5EF4-FFF2-40B4-BE49-F238E27FC236}">
-                <a16:creationId xmlns:a16="http://schemas.microsoft.com/office/drawing/2014/main" id="{AAF3E26D-C8FC-4942-BE9E-80E4F260D62C}"/>
+          <p:cNvPr id="2" name="그림 1">
+            <a:extLst>
+              <a:ext uri="{FF2B5EF4-FFF2-40B4-BE49-F238E27FC236}">
+                <a16:creationId xmlns:a16="http://schemas.microsoft.com/office/drawing/2014/main" id="{2A691879-ADAC-4655-9654-309BB3461DD8}"/>
               </a:ext>
             </a:extLst>
           </p:cNvPr>
@@ -5467,7 +5437,7 @@
         <p:spPr>
           <a:xfrm>
             <a:off x="1737518" y="1919529"/>
-            <a:ext cx="2039162" cy="4191612"/>
+            <a:ext cx="2039162" cy="4191610"/>
           </a:xfrm>
           <a:prstGeom prst="rect">
             <a:avLst/>
@@ -5778,13 +5748,13 @@
               </a:buBlip>
             </a:pPr>
             <a:r>
-              <a:rPr lang="ko-KR" altLang="en-US" sz="3200" dirty="0">
+              <a:rPr lang="ko-KR" altLang="en-US" sz="2400" dirty="0">
                 <a:latin typeface="나눔스퀘어" panose="020B0600000101010101" pitchFamily="50" charset="-127"/>
                 <a:ea typeface="나눔스퀘어" panose="020B0600000101010101" pitchFamily="50" charset="-127"/>
               </a:rPr>
               <a:t>상단에는 해당 주의 양치 점수를 출력</a:t>
             </a:r>
-            <a:endParaRPr lang="en-US" altLang="ko-KR" sz="3200" dirty="0">
+            <a:endParaRPr lang="en-US" altLang="ko-KR" sz="2400" dirty="0">
               <a:latin typeface="나눔스퀘어" panose="020B0600000101010101" pitchFamily="50" charset="-127"/>
               <a:ea typeface="나눔스퀘어" panose="020B0600000101010101" pitchFamily="50" charset="-127"/>
             </a:endParaRPr>
@@ -5801,13 +5771,29 @@
               </a:buBlip>
             </a:pPr>
             <a:r>
-              <a:rPr lang="ko-KR" altLang="en-US" sz="3200" dirty="0">
+              <a:rPr lang="ko-KR" altLang="en-US" sz="2400" dirty="0">
                 <a:latin typeface="나눔스퀘어" panose="020B0600000101010101" pitchFamily="50" charset="-127"/>
                 <a:ea typeface="나눔스퀘어" panose="020B0600000101010101" pitchFamily="50" charset="-127"/>
               </a:rPr>
-              <a:t>하단에는 일별 양치기록 출력</a:t>
-            </a:r>
-            <a:endParaRPr lang="en-US" altLang="ko-KR" sz="3200" dirty="0">
+              <a:t>하단에는 일별 양치 시간과 점수 출력</a:t>
+            </a:r>
+            <a:endParaRPr lang="en-US" altLang="ko-KR" sz="2400" dirty="0">
+              <a:latin typeface="나눔스퀘어" panose="020B0600000101010101" pitchFamily="50" charset="-127"/>
+              <a:ea typeface="나눔스퀘어" panose="020B0600000101010101" pitchFamily="50" charset="-127"/>
+            </a:endParaRPr>
+          </a:p>
+          <a:p>
+            <a:pPr marL="722312" indent="-722312">
+              <a:lnSpc>
+                <a:spcPct val="150000"/>
+              </a:lnSpc>
+              <a:buSzPct val="50000"/>
+              <a:buFont typeface="Arial" panose="020B0604020202020204" pitchFamily="34" charset="0"/>
+              <a:buBlip>
+                <a:blip r:embed="rId4"/>
+              </a:buBlip>
+            </a:pPr>
+            <a:endParaRPr lang="en-US" altLang="ko-KR" sz="2400" dirty="0">
               <a:latin typeface="나눔스퀘어" panose="020B0600000101010101" pitchFamily="50" charset="-127"/>
               <a:ea typeface="나눔스퀘어" panose="020B0600000101010101" pitchFamily="50" charset="-127"/>
             </a:endParaRPr>
@@ -5816,10 +5802,10 @@
       </p:sp>
       <p:pic>
         <p:nvPicPr>
-          <p:cNvPr id="2" name="그림 1">
-            <a:extLst>
-              <a:ext uri="{FF2B5EF4-FFF2-40B4-BE49-F238E27FC236}">
-                <a16:creationId xmlns:a16="http://schemas.microsoft.com/office/drawing/2014/main" id="{2A691879-ADAC-4655-9654-309BB3461DD8}"/>
+          <p:cNvPr id="8" name="그림 7" descr="1.png">
+            <a:extLst>
+              <a:ext uri="{FF2B5EF4-FFF2-40B4-BE49-F238E27FC236}">
+                <a16:creationId xmlns:a16="http://schemas.microsoft.com/office/drawing/2014/main" id="{C8C72007-685A-49DA-B988-CE1765BAA573}"/>
               </a:ext>
             </a:extLst>
           </p:cNvPr>
@@ -5829,15 +5815,45 @@
           <p:nvPr/>
         </p:nvPicPr>
         <p:blipFill>
-          <a:blip r:embed="rId5"/>
+          <a:blip r:embed="rId5" cstate="print"/>
           <a:stretch>
             <a:fillRect/>
           </a:stretch>
         </p:blipFill>
         <p:spPr>
           <a:xfrm>
-            <a:off x="1737518" y="1919529"/>
-            <a:ext cx="2039162" cy="4191610"/>
+            <a:off x="5547510" y="2141621"/>
+            <a:ext cx="390145" cy="408433"/>
+          </a:xfrm>
+          <a:prstGeom prst="rect">
+            <a:avLst/>
+          </a:prstGeom>
+        </p:spPr>
+      </p:pic>
+      <p:pic>
+        <p:nvPicPr>
+          <p:cNvPr id="9" name="그림 8" descr="2.png">
+            <a:extLst>
+              <a:ext uri="{FF2B5EF4-FFF2-40B4-BE49-F238E27FC236}">
+                <a16:creationId xmlns:a16="http://schemas.microsoft.com/office/drawing/2014/main" id="{2BDC97CA-2FB3-4BEA-B682-E09B17DB0DAE}"/>
+              </a:ext>
+            </a:extLst>
+          </p:cNvPr>
+          <p:cNvPicPr>
+            <a:picLocks noChangeAspect="1"/>
+          </p:cNvPicPr>
+          <p:nvPr/>
+        </p:nvPicPr>
+        <p:blipFill>
+          <a:blip r:embed="rId6" cstate="print"/>
+          <a:stretch>
+            <a:fillRect/>
+          </a:stretch>
+        </p:blipFill>
+        <p:spPr>
+          <a:xfrm>
+            <a:off x="5593235" y="3331867"/>
+            <a:ext cx="390145" cy="408433"/>
           </a:xfrm>
           <a:prstGeom prst="rect">
             <a:avLst/>
